--- a/docs/Featherweight Customer Training.pptx
+++ b/docs/Featherweight Customer Training.pptx
@@ -20,8 +20,8 @@
     <p:sldId id="282" r:id="rId11"/>
     <p:sldId id="263" r:id="rId12"/>
     <p:sldId id="284" r:id="rId13"/>
-    <p:sldId id="283" r:id="rId14"/>
-    <p:sldId id="271" r:id="rId15"/>
+    <p:sldId id="271" r:id="rId14"/>
+    <p:sldId id="283" r:id="rId15"/>
     <p:sldId id="280" r:id="rId16"/>
     <p:sldId id="285" r:id="rId17"/>
     <p:sldId id="272" r:id="rId18"/>
@@ -248,7 +248,7 @@
           <a:p>
             <a:fld id="{80030CDC-75BF-2546-A094-0CAB79A972F9}" type="datetimeFigureOut">
               <a:rPr lang="en-US" smtClean="0"/>
-              <a:t>5/11/2018</a:t>
+              <a:t>5/15/2018</a:t>
             </a:fld>
             <a:endParaRPr lang="en-US"/>
           </a:p>
@@ -758,7 +758,7 @@
           <a:p>
             <a:fld id="{71E2551A-DFB9-A245-A71E-4923ACBDCC78}" type="slidenum">
               <a:rPr lang="en-US" smtClean="0"/>
-              <a:t>7</a:t>
+              <a:t>6</a:t>
             </a:fld>
             <a:endParaRPr lang="en-US"/>
           </a:p>
@@ -5088,7 +5088,7 @@
           <a:p>
             <a:r>
               <a:rPr lang="en-US" dirty="0"/>
-              <a:t>Featherweight</a:t>
+              <a:t>Featherweight Training</a:t>
             </a:r>
           </a:p>
         </p:txBody>
@@ -8869,7 +8869,27 @@
           <a:lstStyle/>
           <a:p>
             <a:r>
-              <a:rPr lang="en-US"/>
+              <a:rPr lang="en-US" dirty="0"/>
+              <a:t>Identity</a:t>
+            </a:r>
+          </a:p>
+          <a:p>
+            <a:r>
+              <a:rPr lang="en-US" dirty="0" err="1"/>
+              <a:t>InboxAddress</a:t>
+            </a:r>
+            <a:endParaRPr lang="en-US" dirty="0"/>
+          </a:p>
+          <a:p>
+            <a:r>
+              <a:rPr lang="en-US" dirty="0" err="1"/>
+              <a:t>LoggerAddress</a:t>
+            </a:r>
+            <a:endParaRPr lang="en-US" dirty="0"/>
+          </a:p>
+          <a:p>
+            <a:r>
+              <a:rPr lang="en-US" dirty="0" err="1"/>
               <a:t>DebugShowFrontPanel</a:t>
             </a:r>
             <a:r>
@@ -9455,11 +9475,854 @@
   <p:clrMapOvr>
     <a:masterClrMapping/>
   </p:clrMapOvr>
+  <p:timing>
+    <p:tnLst>
+      <p:par>
+        <p:cTn id="1" dur="indefinite" restart="never" nodeType="tmRoot">
+          <p:childTnLst>
+            <p:seq concurrent="1" nextAc="seek">
+              <p:cTn id="2" dur="indefinite" nodeType="mainSeq">
+                <p:childTnLst>
+                  <p:par>
+                    <p:cTn id="3" fill="hold">
+                      <p:stCondLst>
+                        <p:cond delay="indefinite"/>
+                      </p:stCondLst>
+                      <p:childTnLst>
+                        <p:par>
+                          <p:cTn id="4" fill="hold">
+                            <p:stCondLst>
+                              <p:cond delay="0"/>
+                            </p:stCondLst>
+                            <p:childTnLst>
+                              <p:par>
+                                <p:cTn id="5" presetID="10" presetClass="entr" presetSubtype="0" fill="hold" grpId="0" nodeType="clickEffect">
+                                  <p:stCondLst>
+                                    <p:cond delay="0"/>
+                                  </p:stCondLst>
+                                  <p:childTnLst>
+                                    <p:set>
+                                      <p:cBhvr>
+                                        <p:cTn id="6" dur="1" fill="hold">
+                                          <p:stCondLst>
+                                            <p:cond delay="0"/>
+                                          </p:stCondLst>
+                                        </p:cTn>
+                                        <p:tgtEl>
+                                          <p:spTgt spid="3">
+                                            <p:txEl>
+                                              <p:pRg st="0" end="0"/>
+                                            </p:txEl>
+                                          </p:spTgt>
+                                        </p:tgtEl>
+                                        <p:attrNameLst>
+                                          <p:attrName>style.visibility</p:attrName>
+                                        </p:attrNameLst>
+                                      </p:cBhvr>
+                                      <p:to>
+                                        <p:strVal val="visible"/>
+                                      </p:to>
+                                    </p:set>
+                                    <p:animEffect transition="in" filter="fade">
+                                      <p:cBhvr>
+                                        <p:cTn id="7" dur="500"/>
+                                        <p:tgtEl>
+                                          <p:spTgt spid="3">
+                                            <p:txEl>
+                                              <p:pRg st="0" end="0"/>
+                                            </p:txEl>
+                                          </p:spTgt>
+                                        </p:tgtEl>
+                                      </p:cBhvr>
+                                    </p:animEffect>
+                                  </p:childTnLst>
+                                  <p:subTnLst>
+                                    <p:animClr clrSpc="rgb" dir="cw">
+                                      <p:cBhvr override="childStyle">
+                                        <p:cTn dur="1" fill="hold" display="0" masterRel="nextClick" afterEffect="1"/>
+                                        <p:tgtEl>
+                                          <p:spTgt spid="3">
+                                            <p:txEl>
+                                              <p:pRg st="0" end="0"/>
+                                            </p:txEl>
+                                          </p:spTgt>
+                                        </p:tgtEl>
+                                        <p:attrNameLst>
+                                          <p:attrName>ppt_c</p:attrName>
+                                        </p:attrNameLst>
+                                      </p:cBhvr>
+                                      <p:to>
+                                        <a:srgbClr val="969696"/>
+                                      </p:to>
+                                    </p:animClr>
+                                  </p:subTnLst>
+                                </p:cTn>
+                              </p:par>
+                            </p:childTnLst>
+                          </p:cTn>
+                        </p:par>
+                      </p:childTnLst>
+                    </p:cTn>
+                  </p:par>
+                  <p:par>
+                    <p:cTn id="8" fill="hold">
+                      <p:stCondLst>
+                        <p:cond delay="indefinite"/>
+                      </p:stCondLst>
+                      <p:childTnLst>
+                        <p:par>
+                          <p:cTn id="9" fill="hold">
+                            <p:stCondLst>
+                              <p:cond delay="0"/>
+                            </p:stCondLst>
+                            <p:childTnLst>
+                              <p:par>
+                                <p:cTn id="10" presetID="10" presetClass="entr" presetSubtype="0" fill="hold" grpId="0" nodeType="clickEffect">
+                                  <p:stCondLst>
+                                    <p:cond delay="0"/>
+                                  </p:stCondLst>
+                                  <p:childTnLst>
+                                    <p:set>
+                                      <p:cBhvr>
+                                        <p:cTn id="11" dur="1" fill="hold">
+                                          <p:stCondLst>
+                                            <p:cond delay="0"/>
+                                          </p:stCondLst>
+                                        </p:cTn>
+                                        <p:tgtEl>
+                                          <p:spTgt spid="3">
+                                            <p:txEl>
+                                              <p:pRg st="1" end="1"/>
+                                            </p:txEl>
+                                          </p:spTgt>
+                                        </p:tgtEl>
+                                        <p:attrNameLst>
+                                          <p:attrName>style.visibility</p:attrName>
+                                        </p:attrNameLst>
+                                      </p:cBhvr>
+                                      <p:to>
+                                        <p:strVal val="visible"/>
+                                      </p:to>
+                                    </p:set>
+                                    <p:animEffect transition="in" filter="fade">
+                                      <p:cBhvr>
+                                        <p:cTn id="12" dur="500"/>
+                                        <p:tgtEl>
+                                          <p:spTgt spid="3">
+                                            <p:txEl>
+                                              <p:pRg st="1" end="1"/>
+                                            </p:txEl>
+                                          </p:spTgt>
+                                        </p:tgtEl>
+                                      </p:cBhvr>
+                                    </p:animEffect>
+                                  </p:childTnLst>
+                                  <p:subTnLst>
+                                    <p:animClr clrSpc="rgb" dir="cw">
+                                      <p:cBhvr override="childStyle">
+                                        <p:cTn dur="1" fill="hold" display="0" masterRel="nextClick" afterEffect="1"/>
+                                        <p:tgtEl>
+                                          <p:spTgt spid="3">
+                                            <p:txEl>
+                                              <p:pRg st="1" end="1"/>
+                                            </p:txEl>
+                                          </p:spTgt>
+                                        </p:tgtEl>
+                                        <p:attrNameLst>
+                                          <p:attrName>ppt_c</p:attrName>
+                                        </p:attrNameLst>
+                                      </p:cBhvr>
+                                      <p:to>
+                                        <a:srgbClr val="969696"/>
+                                      </p:to>
+                                    </p:animClr>
+                                  </p:subTnLst>
+                                </p:cTn>
+                              </p:par>
+                            </p:childTnLst>
+                          </p:cTn>
+                        </p:par>
+                      </p:childTnLst>
+                    </p:cTn>
+                  </p:par>
+                  <p:par>
+                    <p:cTn id="13" fill="hold">
+                      <p:stCondLst>
+                        <p:cond delay="indefinite"/>
+                      </p:stCondLst>
+                      <p:childTnLst>
+                        <p:par>
+                          <p:cTn id="14" fill="hold">
+                            <p:stCondLst>
+                              <p:cond delay="0"/>
+                            </p:stCondLst>
+                            <p:childTnLst>
+                              <p:par>
+                                <p:cTn id="15" presetID="10" presetClass="entr" presetSubtype="0" fill="hold" grpId="0" nodeType="clickEffect">
+                                  <p:stCondLst>
+                                    <p:cond delay="0"/>
+                                  </p:stCondLst>
+                                  <p:childTnLst>
+                                    <p:set>
+                                      <p:cBhvr>
+                                        <p:cTn id="16" dur="1" fill="hold">
+                                          <p:stCondLst>
+                                            <p:cond delay="0"/>
+                                          </p:stCondLst>
+                                        </p:cTn>
+                                        <p:tgtEl>
+                                          <p:spTgt spid="3">
+                                            <p:txEl>
+                                              <p:pRg st="2" end="2"/>
+                                            </p:txEl>
+                                          </p:spTgt>
+                                        </p:tgtEl>
+                                        <p:attrNameLst>
+                                          <p:attrName>style.visibility</p:attrName>
+                                        </p:attrNameLst>
+                                      </p:cBhvr>
+                                      <p:to>
+                                        <p:strVal val="visible"/>
+                                      </p:to>
+                                    </p:set>
+                                    <p:animEffect transition="in" filter="fade">
+                                      <p:cBhvr>
+                                        <p:cTn id="17" dur="500"/>
+                                        <p:tgtEl>
+                                          <p:spTgt spid="3">
+                                            <p:txEl>
+                                              <p:pRg st="2" end="2"/>
+                                            </p:txEl>
+                                          </p:spTgt>
+                                        </p:tgtEl>
+                                      </p:cBhvr>
+                                    </p:animEffect>
+                                  </p:childTnLst>
+                                  <p:subTnLst>
+                                    <p:animClr clrSpc="rgb" dir="cw">
+                                      <p:cBhvr override="childStyle">
+                                        <p:cTn dur="1" fill="hold" display="0" masterRel="nextClick" afterEffect="1"/>
+                                        <p:tgtEl>
+                                          <p:spTgt spid="3">
+                                            <p:txEl>
+                                              <p:pRg st="2" end="2"/>
+                                            </p:txEl>
+                                          </p:spTgt>
+                                        </p:tgtEl>
+                                        <p:attrNameLst>
+                                          <p:attrName>ppt_c</p:attrName>
+                                        </p:attrNameLst>
+                                      </p:cBhvr>
+                                      <p:to>
+                                        <a:srgbClr val="969696"/>
+                                      </p:to>
+                                    </p:animClr>
+                                  </p:subTnLst>
+                                </p:cTn>
+                              </p:par>
+                            </p:childTnLst>
+                          </p:cTn>
+                        </p:par>
+                      </p:childTnLst>
+                    </p:cTn>
+                  </p:par>
+                  <p:par>
+                    <p:cTn id="18" fill="hold">
+                      <p:stCondLst>
+                        <p:cond delay="indefinite"/>
+                      </p:stCondLst>
+                      <p:childTnLst>
+                        <p:par>
+                          <p:cTn id="19" fill="hold">
+                            <p:stCondLst>
+                              <p:cond delay="0"/>
+                            </p:stCondLst>
+                            <p:childTnLst>
+                              <p:par>
+                                <p:cTn id="20" presetID="10" presetClass="entr" presetSubtype="0" fill="hold" grpId="0" nodeType="clickEffect">
+                                  <p:stCondLst>
+                                    <p:cond delay="0"/>
+                                  </p:stCondLst>
+                                  <p:childTnLst>
+                                    <p:set>
+                                      <p:cBhvr>
+                                        <p:cTn id="21" dur="1" fill="hold">
+                                          <p:stCondLst>
+                                            <p:cond delay="0"/>
+                                          </p:stCondLst>
+                                        </p:cTn>
+                                        <p:tgtEl>
+                                          <p:spTgt spid="3">
+                                            <p:txEl>
+                                              <p:pRg st="3" end="3"/>
+                                            </p:txEl>
+                                          </p:spTgt>
+                                        </p:tgtEl>
+                                        <p:attrNameLst>
+                                          <p:attrName>style.visibility</p:attrName>
+                                        </p:attrNameLst>
+                                      </p:cBhvr>
+                                      <p:to>
+                                        <p:strVal val="visible"/>
+                                      </p:to>
+                                    </p:set>
+                                    <p:animEffect transition="in" filter="fade">
+                                      <p:cBhvr>
+                                        <p:cTn id="22" dur="500"/>
+                                        <p:tgtEl>
+                                          <p:spTgt spid="3">
+                                            <p:txEl>
+                                              <p:pRg st="3" end="3"/>
+                                            </p:txEl>
+                                          </p:spTgt>
+                                        </p:tgtEl>
+                                      </p:cBhvr>
+                                    </p:animEffect>
+                                  </p:childTnLst>
+                                  <p:subTnLst>
+                                    <p:animClr clrSpc="rgb" dir="cw">
+                                      <p:cBhvr override="childStyle">
+                                        <p:cTn dur="1" fill="hold" display="0" masterRel="nextClick" afterEffect="1"/>
+                                        <p:tgtEl>
+                                          <p:spTgt spid="3">
+                                            <p:txEl>
+                                              <p:pRg st="3" end="3"/>
+                                            </p:txEl>
+                                          </p:spTgt>
+                                        </p:tgtEl>
+                                        <p:attrNameLst>
+                                          <p:attrName>ppt_c</p:attrName>
+                                        </p:attrNameLst>
+                                      </p:cBhvr>
+                                      <p:to>
+                                        <a:srgbClr val="969696"/>
+                                      </p:to>
+                                    </p:animClr>
+                                  </p:subTnLst>
+                                </p:cTn>
+                              </p:par>
+                            </p:childTnLst>
+                          </p:cTn>
+                        </p:par>
+                      </p:childTnLst>
+                    </p:cTn>
+                  </p:par>
+                  <p:par>
+                    <p:cTn id="23" fill="hold">
+                      <p:stCondLst>
+                        <p:cond delay="indefinite"/>
+                      </p:stCondLst>
+                      <p:childTnLst>
+                        <p:par>
+                          <p:cTn id="24" fill="hold">
+                            <p:stCondLst>
+                              <p:cond delay="0"/>
+                            </p:stCondLst>
+                            <p:childTnLst>
+                              <p:par>
+                                <p:cTn id="25" presetID="10" presetClass="entr" presetSubtype="0" fill="hold" grpId="0" nodeType="clickEffect">
+                                  <p:stCondLst>
+                                    <p:cond delay="0"/>
+                                  </p:stCondLst>
+                                  <p:childTnLst>
+                                    <p:set>
+                                      <p:cBhvr>
+                                        <p:cTn id="26" dur="1" fill="hold">
+                                          <p:stCondLst>
+                                            <p:cond delay="0"/>
+                                          </p:stCondLst>
+                                        </p:cTn>
+                                        <p:tgtEl>
+                                          <p:spTgt spid="3">
+                                            <p:txEl>
+                                              <p:pRg st="4" end="4"/>
+                                            </p:txEl>
+                                          </p:spTgt>
+                                        </p:tgtEl>
+                                        <p:attrNameLst>
+                                          <p:attrName>style.visibility</p:attrName>
+                                        </p:attrNameLst>
+                                      </p:cBhvr>
+                                      <p:to>
+                                        <p:strVal val="visible"/>
+                                      </p:to>
+                                    </p:set>
+                                    <p:animEffect transition="in" filter="fade">
+                                      <p:cBhvr>
+                                        <p:cTn id="27" dur="500"/>
+                                        <p:tgtEl>
+                                          <p:spTgt spid="3">
+                                            <p:txEl>
+                                              <p:pRg st="4" end="4"/>
+                                            </p:txEl>
+                                          </p:spTgt>
+                                        </p:tgtEl>
+                                      </p:cBhvr>
+                                    </p:animEffect>
+                                  </p:childTnLst>
+                                  <p:subTnLst>
+                                    <p:animClr clrSpc="rgb" dir="cw">
+                                      <p:cBhvr override="childStyle">
+                                        <p:cTn dur="1" fill="hold" display="0" masterRel="nextClick" afterEffect="1"/>
+                                        <p:tgtEl>
+                                          <p:spTgt spid="3">
+                                            <p:txEl>
+                                              <p:pRg st="4" end="4"/>
+                                            </p:txEl>
+                                          </p:spTgt>
+                                        </p:tgtEl>
+                                        <p:attrNameLst>
+                                          <p:attrName>ppt_c</p:attrName>
+                                        </p:attrNameLst>
+                                      </p:cBhvr>
+                                      <p:to>
+                                        <a:srgbClr val="969696"/>
+                                      </p:to>
+                                    </p:animClr>
+                                  </p:subTnLst>
+                                </p:cTn>
+                              </p:par>
+                            </p:childTnLst>
+                          </p:cTn>
+                        </p:par>
+                      </p:childTnLst>
+                    </p:cTn>
+                  </p:par>
+                  <p:par>
+                    <p:cTn id="28" fill="hold">
+                      <p:stCondLst>
+                        <p:cond delay="indefinite"/>
+                      </p:stCondLst>
+                      <p:childTnLst>
+                        <p:par>
+                          <p:cTn id="29" fill="hold">
+                            <p:stCondLst>
+                              <p:cond delay="0"/>
+                            </p:stCondLst>
+                            <p:childTnLst>
+                              <p:par>
+                                <p:cTn id="30" presetID="10" presetClass="entr" presetSubtype="0" fill="hold" grpId="0" nodeType="clickEffect">
+                                  <p:stCondLst>
+                                    <p:cond delay="0"/>
+                                  </p:stCondLst>
+                                  <p:childTnLst>
+                                    <p:set>
+                                      <p:cBhvr>
+                                        <p:cTn id="31" dur="1" fill="hold">
+                                          <p:stCondLst>
+                                            <p:cond delay="0"/>
+                                          </p:stCondLst>
+                                        </p:cTn>
+                                        <p:tgtEl>
+                                          <p:spTgt spid="3">
+                                            <p:txEl>
+                                              <p:pRg st="5" end="5"/>
+                                            </p:txEl>
+                                          </p:spTgt>
+                                        </p:tgtEl>
+                                        <p:attrNameLst>
+                                          <p:attrName>style.visibility</p:attrName>
+                                        </p:attrNameLst>
+                                      </p:cBhvr>
+                                      <p:to>
+                                        <p:strVal val="visible"/>
+                                      </p:to>
+                                    </p:set>
+                                    <p:animEffect transition="in" filter="fade">
+                                      <p:cBhvr>
+                                        <p:cTn id="32" dur="500"/>
+                                        <p:tgtEl>
+                                          <p:spTgt spid="3">
+                                            <p:txEl>
+                                              <p:pRg st="5" end="5"/>
+                                            </p:txEl>
+                                          </p:spTgt>
+                                        </p:tgtEl>
+                                      </p:cBhvr>
+                                    </p:animEffect>
+                                  </p:childTnLst>
+                                  <p:subTnLst>
+                                    <p:animClr clrSpc="rgb" dir="cw">
+                                      <p:cBhvr override="childStyle">
+                                        <p:cTn dur="1" fill="hold" display="0" masterRel="nextClick" afterEffect="1"/>
+                                        <p:tgtEl>
+                                          <p:spTgt spid="3">
+                                            <p:txEl>
+                                              <p:pRg st="5" end="5"/>
+                                            </p:txEl>
+                                          </p:spTgt>
+                                        </p:tgtEl>
+                                        <p:attrNameLst>
+                                          <p:attrName>ppt_c</p:attrName>
+                                        </p:attrNameLst>
+                                      </p:cBhvr>
+                                      <p:to>
+                                        <a:srgbClr val="969696"/>
+                                      </p:to>
+                                    </p:animClr>
+                                  </p:subTnLst>
+                                </p:cTn>
+                              </p:par>
+                            </p:childTnLst>
+                          </p:cTn>
+                        </p:par>
+                      </p:childTnLst>
+                    </p:cTn>
+                  </p:par>
+                  <p:par>
+                    <p:cTn id="33" fill="hold">
+                      <p:stCondLst>
+                        <p:cond delay="indefinite"/>
+                      </p:stCondLst>
+                      <p:childTnLst>
+                        <p:par>
+                          <p:cTn id="34" fill="hold">
+                            <p:stCondLst>
+                              <p:cond delay="0"/>
+                            </p:stCondLst>
+                            <p:childTnLst>
+                              <p:par>
+                                <p:cTn id="35" presetID="10" presetClass="entr" presetSubtype="0" fill="hold" grpId="0" nodeType="clickEffect">
+                                  <p:stCondLst>
+                                    <p:cond delay="0"/>
+                                  </p:stCondLst>
+                                  <p:childTnLst>
+                                    <p:set>
+                                      <p:cBhvr>
+                                        <p:cTn id="36" dur="1" fill="hold">
+                                          <p:stCondLst>
+                                            <p:cond delay="0"/>
+                                          </p:stCondLst>
+                                        </p:cTn>
+                                        <p:tgtEl>
+                                          <p:spTgt spid="3">
+                                            <p:txEl>
+                                              <p:pRg st="6" end="6"/>
+                                            </p:txEl>
+                                          </p:spTgt>
+                                        </p:tgtEl>
+                                        <p:attrNameLst>
+                                          <p:attrName>style.visibility</p:attrName>
+                                        </p:attrNameLst>
+                                      </p:cBhvr>
+                                      <p:to>
+                                        <p:strVal val="visible"/>
+                                      </p:to>
+                                    </p:set>
+                                    <p:animEffect transition="in" filter="fade">
+                                      <p:cBhvr>
+                                        <p:cTn id="37" dur="500"/>
+                                        <p:tgtEl>
+                                          <p:spTgt spid="3">
+                                            <p:txEl>
+                                              <p:pRg st="6" end="6"/>
+                                            </p:txEl>
+                                          </p:spTgt>
+                                        </p:tgtEl>
+                                      </p:cBhvr>
+                                    </p:animEffect>
+                                  </p:childTnLst>
+                                  <p:subTnLst>
+                                    <p:animClr clrSpc="rgb" dir="cw">
+                                      <p:cBhvr override="childStyle">
+                                        <p:cTn dur="1" fill="hold" display="0" masterRel="nextClick" afterEffect="1"/>
+                                        <p:tgtEl>
+                                          <p:spTgt spid="3">
+                                            <p:txEl>
+                                              <p:pRg st="6" end="6"/>
+                                            </p:txEl>
+                                          </p:spTgt>
+                                        </p:tgtEl>
+                                        <p:attrNameLst>
+                                          <p:attrName>ppt_c</p:attrName>
+                                        </p:attrNameLst>
+                                      </p:cBhvr>
+                                      <p:to>
+                                        <a:srgbClr val="969696"/>
+                                      </p:to>
+                                    </p:animClr>
+                                  </p:subTnLst>
+                                </p:cTn>
+                              </p:par>
+                            </p:childTnLst>
+                          </p:cTn>
+                        </p:par>
+                      </p:childTnLst>
+                    </p:cTn>
+                  </p:par>
+                  <p:par>
+                    <p:cTn id="38" fill="hold">
+                      <p:stCondLst>
+                        <p:cond delay="indefinite"/>
+                      </p:stCondLst>
+                      <p:childTnLst>
+                        <p:par>
+                          <p:cTn id="39" fill="hold">
+                            <p:stCondLst>
+                              <p:cond delay="0"/>
+                            </p:stCondLst>
+                            <p:childTnLst>
+                              <p:par>
+                                <p:cTn id="40" presetID="10" presetClass="entr" presetSubtype="0" fill="hold" grpId="0" nodeType="clickEffect">
+                                  <p:stCondLst>
+                                    <p:cond delay="0"/>
+                                  </p:stCondLst>
+                                  <p:childTnLst>
+                                    <p:set>
+                                      <p:cBhvr>
+                                        <p:cTn id="41" dur="1" fill="hold">
+                                          <p:stCondLst>
+                                            <p:cond delay="0"/>
+                                          </p:stCondLst>
+                                        </p:cTn>
+                                        <p:tgtEl>
+                                          <p:spTgt spid="3">
+                                            <p:txEl>
+                                              <p:pRg st="7" end="7"/>
+                                            </p:txEl>
+                                          </p:spTgt>
+                                        </p:tgtEl>
+                                        <p:attrNameLst>
+                                          <p:attrName>style.visibility</p:attrName>
+                                        </p:attrNameLst>
+                                      </p:cBhvr>
+                                      <p:to>
+                                        <p:strVal val="visible"/>
+                                      </p:to>
+                                    </p:set>
+                                    <p:animEffect transition="in" filter="fade">
+                                      <p:cBhvr>
+                                        <p:cTn id="42" dur="500"/>
+                                        <p:tgtEl>
+                                          <p:spTgt spid="3">
+                                            <p:txEl>
+                                              <p:pRg st="7" end="7"/>
+                                            </p:txEl>
+                                          </p:spTgt>
+                                        </p:tgtEl>
+                                      </p:cBhvr>
+                                    </p:animEffect>
+                                  </p:childTnLst>
+                                  <p:subTnLst>
+                                    <p:animClr clrSpc="rgb" dir="cw">
+                                      <p:cBhvr override="childStyle">
+                                        <p:cTn dur="1" fill="hold" display="0" masterRel="nextClick" afterEffect="1"/>
+                                        <p:tgtEl>
+                                          <p:spTgt spid="3">
+                                            <p:txEl>
+                                              <p:pRg st="7" end="7"/>
+                                            </p:txEl>
+                                          </p:spTgt>
+                                        </p:tgtEl>
+                                        <p:attrNameLst>
+                                          <p:attrName>ppt_c</p:attrName>
+                                        </p:attrNameLst>
+                                      </p:cBhvr>
+                                      <p:to>
+                                        <a:srgbClr val="969696"/>
+                                      </p:to>
+                                    </p:animClr>
+                                  </p:subTnLst>
+                                </p:cTn>
+                              </p:par>
+                            </p:childTnLst>
+                          </p:cTn>
+                        </p:par>
+                      </p:childTnLst>
+                    </p:cTn>
+                  </p:par>
+                  <p:par>
+                    <p:cTn id="43" fill="hold">
+                      <p:stCondLst>
+                        <p:cond delay="indefinite"/>
+                      </p:stCondLst>
+                      <p:childTnLst>
+                        <p:par>
+                          <p:cTn id="44" fill="hold">
+                            <p:stCondLst>
+                              <p:cond delay="0"/>
+                            </p:stCondLst>
+                            <p:childTnLst>
+                              <p:par>
+                                <p:cTn id="45" presetID="10" presetClass="entr" presetSubtype="0" fill="hold" grpId="0" nodeType="clickEffect">
+                                  <p:stCondLst>
+                                    <p:cond delay="0"/>
+                                  </p:stCondLst>
+                                  <p:childTnLst>
+                                    <p:set>
+                                      <p:cBhvr>
+                                        <p:cTn id="46" dur="1" fill="hold">
+                                          <p:stCondLst>
+                                            <p:cond delay="0"/>
+                                          </p:stCondLst>
+                                        </p:cTn>
+                                        <p:tgtEl>
+                                          <p:spTgt spid="3">
+                                            <p:txEl>
+                                              <p:pRg st="9" end="9"/>
+                                            </p:txEl>
+                                          </p:spTgt>
+                                        </p:tgtEl>
+                                        <p:attrNameLst>
+                                          <p:attrName>style.visibility</p:attrName>
+                                        </p:attrNameLst>
+                                      </p:cBhvr>
+                                      <p:to>
+                                        <p:strVal val="visible"/>
+                                      </p:to>
+                                    </p:set>
+                                    <p:animEffect transition="in" filter="fade">
+                                      <p:cBhvr>
+                                        <p:cTn id="47" dur="500"/>
+                                        <p:tgtEl>
+                                          <p:spTgt spid="3">
+                                            <p:txEl>
+                                              <p:pRg st="9" end="9"/>
+                                            </p:txEl>
+                                          </p:spTgt>
+                                        </p:tgtEl>
+                                      </p:cBhvr>
+                                    </p:animEffect>
+                                  </p:childTnLst>
+                                  <p:subTnLst>
+                                    <p:animClr clrSpc="rgb" dir="cw">
+                                      <p:cBhvr override="childStyle">
+                                        <p:cTn dur="1" fill="hold" display="0" masterRel="nextClick" afterEffect="1"/>
+                                        <p:tgtEl>
+                                          <p:spTgt spid="3">
+                                            <p:txEl>
+                                              <p:pRg st="9" end="9"/>
+                                            </p:txEl>
+                                          </p:spTgt>
+                                        </p:tgtEl>
+                                        <p:attrNameLst>
+                                          <p:attrName>ppt_c</p:attrName>
+                                        </p:attrNameLst>
+                                      </p:cBhvr>
+                                      <p:to>
+                                        <a:srgbClr val="969696"/>
+                                      </p:to>
+                                    </p:animClr>
+                                  </p:subTnLst>
+                                </p:cTn>
+                              </p:par>
+                            </p:childTnLst>
+                          </p:cTn>
+                        </p:par>
+                      </p:childTnLst>
+                    </p:cTn>
+                  </p:par>
+                  <p:par>
+                    <p:cTn id="48" fill="hold">
+                      <p:stCondLst>
+                        <p:cond delay="indefinite"/>
+                      </p:stCondLst>
+                      <p:childTnLst>
+                        <p:par>
+                          <p:cTn id="49" fill="hold">
+                            <p:stCondLst>
+                              <p:cond delay="0"/>
+                            </p:stCondLst>
+                            <p:childTnLst>
+                              <p:par>
+                                <p:cTn id="50" presetID="10" presetClass="entr" presetSubtype="0" fill="hold" grpId="0" nodeType="clickEffect">
+                                  <p:stCondLst>
+                                    <p:cond delay="0"/>
+                                  </p:stCondLst>
+                                  <p:childTnLst>
+                                    <p:set>
+                                      <p:cBhvr>
+                                        <p:cTn id="51" dur="1" fill="hold">
+                                          <p:stCondLst>
+                                            <p:cond delay="0"/>
+                                          </p:stCondLst>
+                                        </p:cTn>
+                                        <p:tgtEl>
+                                          <p:spTgt spid="3">
+                                            <p:txEl>
+                                              <p:pRg st="10" end="10"/>
+                                            </p:txEl>
+                                          </p:spTgt>
+                                        </p:tgtEl>
+                                        <p:attrNameLst>
+                                          <p:attrName>style.visibility</p:attrName>
+                                        </p:attrNameLst>
+                                      </p:cBhvr>
+                                      <p:to>
+                                        <p:strVal val="visible"/>
+                                      </p:to>
+                                    </p:set>
+                                    <p:animEffect transition="in" filter="fade">
+                                      <p:cBhvr>
+                                        <p:cTn id="52" dur="500"/>
+                                        <p:tgtEl>
+                                          <p:spTgt spid="3">
+                                            <p:txEl>
+                                              <p:pRg st="10" end="10"/>
+                                            </p:txEl>
+                                          </p:spTgt>
+                                        </p:tgtEl>
+                                      </p:cBhvr>
+                                    </p:animEffect>
+                                  </p:childTnLst>
+                                  <p:subTnLst>
+                                    <p:animClr clrSpc="rgb" dir="cw">
+                                      <p:cBhvr override="childStyle">
+                                        <p:cTn dur="1" fill="hold" display="0" masterRel="nextClick" afterEffect="1"/>
+                                        <p:tgtEl>
+                                          <p:spTgt spid="3">
+                                            <p:txEl>
+                                              <p:pRg st="10" end="10"/>
+                                            </p:txEl>
+                                          </p:spTgt>
+                                        </p:tgtEl>
+                                        <p:attrNameLst>
+                                          <p:attrName>ppt_c</p:attrName>
+                                        </p:attrNameLst>
+                                      </p:cBhvr>
+                                      <p:to>
+                                        <a:srgbClr val="969696"/>
+                                      </p:to>
+                                    </p:animClr>
+                                  </p:subTnLst>
+                                </p:cTn>
+                              </p:par>
+                            </p:childTnLst>
+                          </p:cTn>
+                        </p:par>
+                      </p:childTnLst>
+                    </p:cTn>
+                  </p:par>
+                </p:childTnLst>
+              </p:cTn>
+              <p:prevCondLst>
+                <p:cond evt="onPrev" delay="0">
+                  <p:tgtEl>
+                    <p:sldTgt/>
+                  </p:tgtEl>
+                </p:cond>
+              </p:prevCondLst>
+              <p:nextCondLst>
+                <p:cond evt="onNext" delay="0">
+                  <p:tgtEl>
+                    <p:sldTgt/>
+                  </p:tgtEl>
+                </p:cond>
+              </p:nextCondLst>
+            </p:seq>
+          </p:childTnLst>
+        </p:cTn>
+      </p:par>
+    </p:tnLst>
+    <p:bldLst>
+      <p:bldP spid="3" grpId="0" build="p"/>
+    </p:bldLst>
+  </p:timing>
 </p:sld>
 </file>
 
 <file path=ppt/slides/slide32.xml><?xml version="1.0" encoding="utf-8"?>
-<p:sld xmlns:a="http://schemas.openxmlformats.org/drawingml/2006/main" xmlns:r="http://schemas.openxmlformats.org/officeDocument/2006/relationships" xmlns:p="http://schemas.openxmlformats.org/presentationml/2006/main">
+<p:sld xmlns:a="http://schemas.openxmlformats.org/drawingml/2006/main" xmlns:r="http://schemas.openxmlformats.org/officeDocument/2006/relationships" xmlns:p="http://schemas.openxmlformats.org/presentationml/2006/main" show="0">
   <p:cSld>
     <p:spTree>
       <p:nvGrpSpPr>
@@ -10396,6 +11259,113 @@
           <a:chExt cx="0" cy="0"/>
         </a:xfrm>
       </p:grpSpPr>
+      <p:pic>
+        <p:nvPicPr>
+          <p:cNvPr id="1028" name="Picture 4"/>
+          <p:cNvPicPr>
+            <a:picLocks noGrp="1" noChangeAspect="1" noChangeArrowheads="1"/>
+          </p:cNvPicPr>
+          <p:nvPr>
+            <p:ph sz="quarter" idx="10"/>
+          </p:nvPr>
+        </p:nvPicPr>
+        <p:blipFill>
+          <a:blip r:embed="rId3">
+            <a:extLst>
+              <a:ext uri="{28A0092B-C50C-407E-A947-70E740481C1C}">
+                <a14:useLocalDpi xmlns:a14="http://schemas.microsoft.com/office/drawing/2010/main" val="0"/>
+              </a:ext>
+            </a:extLst>
+          </a:blip>
+          <a:stretch>
+            <a:fillRect/>
+          </a:stretch>
+        </p:blipFill>
+        <p:spPr bwMode="auto">
+          <a:xfrm>
+            <a:off x="1365908" y="1713737"/>
+            <a:ext cx="6412184" cy="3297176"/>
+          </a:xfrm>
+          <a:prstGeom prst="rect">
+            <a:avLst/>
+          </a:prstGeom>
+          <a:noFill/>
+          <a:ln>
+            <a:noFill/>
+          </a:ln>
+          <a:extLst>
+            <a:ext uri="{909E8E84-426E-40DD-AFC4-6F175D3DCCD1}">
+              <a14:hiddenFill xmlns:a14="http://schemas.microsoft.com/office/drawing/2010/main">
+                <a:solidFill>
+                  <a:schemeClr val="accent1"/>
+                </a:solidFill>
+              </a14:hiddenFill>
+            </a:ext>
+            <a:ext uri="{91240B29-F687-4F45-9708-019B960494DF}">
+              <a14:hiddenLine xmlns:a14="http://schemas.microsoft.com/office/drawing/2010/main" w="9525">
+                <a:solidFill>
+                  <a:schemeClr val="tx1"/>
+                </a:solidFill>
+                <a:miter lim="800000"/>
+                <a:headEnd/>
+                <a:tailEnd/>
+              </a14:hiddenLine>
+            </a:ext>
+          </a:extLst>
+        </p:spPr>
+      </p:pic>
+      <p:sp>
+        <p:nvSpPr>
+          <p:cNvPr id="2" name="Title 1"/>
+          <p:cNvSpPr>
+            <a:spLocks noGrp="1"/>
+          </p:cNvSpPr>
+          <p:nvPr>
+            <p:ph type="title"/>
+          </p:nvPr>
+        </p:nvSpPr>
+        <p:spPr/>
+        <p:txBody>
+          <a:bodyPr/>
+          <a:lstStyle/>
+          <a:p>
+            <a:r>
+              <a:rPr lang="en-US" dirty="0"/>
+              <a:t>Action Engines…</a:t>
+            </a:r>
+          </a:p>
+        </p:txBody>
+      </p:sp>
+    </p:spTree>
+    <p:extLst>
+      <p:ext uri="{BB962C8B-B14F-4D97-AF65-F5344CB8AC3E}">
+        <p14:creationId xmlns:p14="http://schemas.microsoft.com/office/powerpoint/2010/main" val="2991960227"/>
+      </p:ext>
+    </p:extLst>
+  </p:cSld>
+  <p:clrMapOvr>
+    <a:masterClrMapping/>
+  </p:clrMapOvr>
+</p:sld>
+</file>
+
+<file path=ppt/slides/slide7.xml><?xml version="1.0" encoding="utf-8"?>
+<p:sld xmlns:a="http://schemas.openxmlformats.org/drawingml/2006/main" xmlns:r="http://schemas.openxmlformats.org/officeDocument/2006/relationships" xmlns:p="http://schemas.openxmlformats.org/presentationml/2006/main">
+  <p:cSld>
+    <p:spTree>
+      <p:nvGrpSpPr>
+        <p:cNvPr id="1" name=""/>
+        <p:cNvGrpSpPr/>
+        <p:nvPr/>
+      </p:nvGrpSpPr>
+      <p:grpSpPr>
+        <a:xfrm>
+          <a:off x="0" y="0"/>
+          <a:ext cx="0" cy="0"/>
+          <a:chOff x="0" y="0"/>
+          <a:chExt cx="0" cy="0"/>
+        </a:xfrm>
+      </p:grpSpPr>
       <p:sp>
         <p:nvSpPr>
           <p:cNvPr id="3" name="Title 2">
@@ -10421,7 +11391,7 @@
           <a:p>
             <a:r>
               <a:rPr lang="en-US" dirty="0"/>
-              <a:t>Parallel Processes Communicating</a:t>
+              <a:t>Dynamic Parallel Processes + Communication</a:t>
             </a:r>
           </a:p>
         </p:txBody>
@@ -10830,113 +11800,6 @@
     <p:extLst>
       <p:ext uri="{BB962C8B-B14F-4D97-AF65-F5344CB8AC3E}">
         <p14:creationId xmlns:p14="http://schemas.microsoft.com/office/powerpoint/2010/main" val="2657327533"/>
-      </p:ext>
-    </p:extLst>
-  </p:cSld>
-  <p:clrMapOvr>
-    <a:masterClrMapping/>
-  </p:clrMapOvr>
-</p:sld>
-</file>
-
-<file path=ppt/slides/slide7.xml><?xml version="1.0" encoding="utf-8"?>
-<p:sld xmlns:a="http://schemas.openxmlformats.org/drawingml/2006/main" xmlns:r="http://schemas.openxmlformats.org/officeDocument/2006/relationships" xmlns:p="http://schemas.openxmlformats.org/presentationml/2006/main">
-  <p:cSld>
-    <p:spTree>
-      <p:nvGrpSpPr>
-        <p:cNvPr id="1" name=""/>
-        <p:cNvGrpSpPr/>
-        <p:nvPr/>
-      </p:nvGrpSpPr>
-      <p:grpSpPr>
-        <a:xfrm>
-          <a:off x="0" y="0"/>
-          <a:ext cx="0" cy="0"/>
-          <a:chOff x="0" y="0"/>
-          <a:chExt cx="0" cy="0"/>
-        </a:xfrm>
-      </p:grpSpPr>
-      <p:pic>
-        <p:nvPicPr>
-          <p:cNvPr id="1028" name="Picture 4"/>
-          <p:cNvPicPr>
-            <a:picLocks noGrp="1" noChangeAspect="1" noChangeArrowheads="1"/>
-          </p:cNvPicPr>
-          <p:nvPr>
-            <p:ph sz="quarter" idx="10"/>
-          </p:nvPr>
-        </p:nvPicPr>
-        <p:blipFill>
-          <a:blip r:embed="rId3">
-            <a:extLst>
-              <a:ext uri="{28A0092B-C50C-407E-A947-70E740481C1C}">
-                <a14:useLocalDpi xmlns:a14="http://schemas.microsoft.com/office/drawing/2010/main" val="0"/>
-              </a:ext>
-            </a:extLst>
-          </a:blip>
-          <a:stretch>
-            <a:fillRect/>
-          </a:stretch>
-        </p:blipFill>
-        <p:spPr bwMode="auto">
-          <a:xfrm>
-            <a:off x="1365908" y="1713737"/>
-            <a:ext cx="6412184" cy="3297176"/>
-          </a:xfrm>
-          <a:prstGeom prst="rect">
-            <a:avLst/>
-          </a:prstGeom>
-          <a:noFill/>
-          <a:ln>
-            <a:noFill/>
-          </a:ln>
-          <a:extLst>
-            <a:ext uri="{909E8E84-426E-40DD-AFC4-6F175D3DCCD1}">
-              <a14:hiddenFill xmlns:a14="http://schemas.microsoft.com/office/drawing/2010/main">
-                <a:solidFill>
-                  <a:schemeClr val="accent1"/>
-                </a:solidFill>
-              </a14:hiddenFill>
-            </a:ext>
-            <a:ext uri="{91240B29-F687-4F45-9708-019B960494DF}">
-              <a14:hiddenLine xmlns:a14="http://schemas.microsoft.com/office/drawing/2010/main" w="9525">
-                <a:solidFill>
-                  <a:schemeClr val="tx1"/>
-                </a:solidFill>
-                <a:miter lim="800000"/>
-                <a:headEnd/>
-                <a:tailEnd/>
-              </a14:hiddenLine>
-            </a:ext>
-          </a:extLst>
-        </p:spPr>
-      </p:pic>
-      <p:sp>
-        <p:nvSpPr>
-          <p:cNvPr id="2" name="Title 1"/>
-          <p:cNvSpPr>
-            <a:spLocks noGrp="1"/>
-          </p:cNvSpPr>
-          <p:nvPr>
-            <p:ph type="title"/>
-          </p:nvPr>
-        </p:nvSpPr>
-        <p:spPr/>
-        <p:txBody>
-          <a:bodyPr/>
-          <a:lstStyle/>
-          <a:p>
-            <a:r>
-              <a:rPr lang="en-US" dirty="0"/>
-              <a:t>Action Engines…</a:t>
-            </a:r>
-          </a:p>
-        </p:txBody>
-      </p:sp>
-    </p:spTree>
-    <p:extLst>
-      <p:ext uri="{BB962C8B-B14F-4D97-AF65-F5344CB8AC3E}">
-        <p14:creationId xmlns:p14="http://schemas.microsoft.com/office/powerpoint/2010/main" val="2991960227"/>
       </p:ext>
     </p:extLst>
   </p:cSld>
